--- a/2025,ВКР,СамаринаАА,ЯГТУ,ЦИС-48.pptx
+++ b/2025,ВКР,СамаринаАА,ЯГТУ,ЦИС-48.pptx
@@ -5,10 +5,10 @@
     <p:sldMasterId id="2147483648" r:id="rId4"/>
   </p:sldMasterIdLst>
   <p:notesMasterIdLst>
-    <p:notesMasterId r:id="rId21"/>
+    <p:notesMasterId r:id="rId22"/>
   </p:notesMasterIdLst>
   <p:handoutMasterIdLst>
-    <p:handoutMasterId r:id="rId22"/>
+    <p:handoutMasterId r:id="rId23"/>
   </p:handoutMasterIdLst>
   <p:sldIdLst>
     <p:sldId id="279" r:id="rId5"/>
@@ -24,9 +24,10 @@
     <p:sldId id="300" r:id="rId15"/>
     <p:sldId id="301" r:id="rId16"/>
     <p:sldId id="302" r:id="rId17"/>
-    <p:sldId id="304" r:id="rId18"/>
-    <p:sldId id="293" r:id="rId19"/>
-    <p:sldId id="306" r:id="rId20"/>
+    <p:sldId id="308" r:id="rId18"/>
+    <p:sldId id="304" r:id="rId19"/>
+    <p:sldId id="293" r:id="rId20"/>
+    <p:sldId id="306" r:id="rId21"/>
   </p:sldIdLst>
   <p:sldSz cx="10071100" cy="7562850"/>
   <p:notesSz cx="10071100" cy="7562850"/>
@@ -158,12 +159,12 @@
   <pc:docChgLst>
     <pc:chgData name="Пакина Анастасия Алексеевна" userId="47327b2a-1d7f-4669-8c07-145d056b2c16" providerId="ADAL" clId="{8AEEDA68-4BA0-4257-A814-7A71FF0E29CB}"/>
     <pc:docChg chg="undo custSel addSld delSld modSld sldOrd addSection delSection">
-      <pc:chgData name="Пакина Анастасия Алексеевна" userId="47327b2a-1d7f-4669-8c07-145d056b2c16" providerId="ADAL" clId="{8AEEDA68-4BA0-4257-A814-7A71FF0E29CB}" dt="2025-06-02T15:42:04.838" v="792" actId="1076"/>
+      <pc:chgData name="Пакина Анастасия Алексеевна" userId="47327b2a-1d7f-4669-8c07-145d056b2c16" providerId="ADAL" clId="{8AEEDA68-4BA0-4257-A814-7A71FF0E29CB}" dt="2025-06-06T13:49:06.652" v="907" actId="1076"/>
       <pc:docMkLst>
         <pc:docMk/>
       </pc:docMkLst>
       <pc:sldChg chg="addSp modSp mod">
-        <pc:chgData name="Пакина Анастасия Алексеевна" userId="47327b2a-1d7f-4669-8c07-145d056b2c16" providerId="ADAL" clId="{8AEEDA68-4BA0-4257-A814-7A71FF0E29CB}" dt="2025-06-02T15:07:50.152" v="430" actId="1076"/>
+        <pc:chgData name="Пакина Анастасия Алексеевна" userId="47327b2a-1d7f-4669-8c07-145d056b2c16" providerId="ADAL" clId="{8AEEDA68-4BA0-4257-A814-7A71FF0E29CB}" dt="2025-06-06T13:31:03.581" v="831" actId="20577"/>
         <pc:sldMkLst>
           <pc:docMk/>
           <pc:sldMk cId="0" sldId="259"/>
@@ -185,7 +186,7 @@
           </ac:spMkLst>
         </pc:spChg>
         <pc:spChg chg="mod">
-          <ac:chgData name="Пакина Анастасия Алексеевна" userId="47327b2a-1d7f-4669-8c07-145d056b2c16" providerId="ADAL" clId="{8AEEDA68-4BA0-4257-A814-7A71FF0E29CB}" dt="2025-06-02T15:07:50.152" v="430" actId="1076"/>
+          <ac:chgData name="Пакина Анастасия Алексеевна" userId="47327b2a-1d7f-4669-8c07-145d056b2c16" providerId="ADAL" clId="{8AEEDA68-4BA0-4257-A814-7A71FF0E29CB}" dt="2025-06-06T13:31:03.581" v="831" actId="20577"/>
           <ac:spMkLst>
             <pc:docMk/>
             <pc:sldMk cId="0" sldId="259"/>
@@ -278,13 +279,13 @@
         </pc:spChg>
       </pc:sldChg>
       <pc:sldChg chg="modSp mod">
-        <pc:chgData name="Пакина Анастасия Алексеевна" userId="47327b2a-1d7f-4669-8c07-145d056b2c16" providerId="ADAL" clId="{8AEEDA68-4BA0-4257-A814-7A71FF0E29CB}" dt="2025-06-02T15:27:09.164" v="750" actId="115"/>
+        <pc:chgData name="Пакина Анастасия Алексеевна" userId="47327b2a-1d7f-4669-8c07-145d056b2c16" providerId="ADAL" clId="{8AEEDA68-4BA0-4257-A814-7A71FF0E29CB}" dt="2025-06-02T16:40:11.922" v="793" actId="14734"/>
         <pc:sldMkLst>
           <pc:docMk/>
           <pc:sldMk cId="4257479907" sldId="297"/>
         </pc:sldMkLst>
         <pc:graphicFrameChg chg="mod modGraphic">
-          <ac:chgData name="Пакина Анастасия Алексеевна" userId="47327b2a-1d7f-4669-8c07-145d056b2c16" providerId="ADAL" clId="{8AEEDA68-4BA0-4257-A814-7A71FF0E29CB}" dt="2025-06-02T15:27:09.164" v="750" actId="115"/>
+          <ac:chgData name="Пакина Анастасия Алексеевна" userId="47327b2a-1d7f-4669-8c07-145d056b2c16" providerId="ADAL" clId="{8AEEDA68-4BA0-4257-A814-7A71FF0E29CB}" dt="2025-06-02T16:40:11.922" v="793" actId="14734"/>
           <ac:graphicFrameMkLst>
             <pc:docMk/>
             <pc:sldMk cId="4257479907" sldId="297"/>
@@ -383,14 +384,6 @@
             <ac:spMk id="5" creationId="{10B5B378-B5D8-2FB3-A586-4BAB0FF1DFDF}"/>
           </ac:spMkLst>
         </pc:spChg>
-        <pc:picChg chg="add mod">
-          <ac:chgData name="Пакина Анастасия Алексеевна" userId="47327b2a-1d7f-4669-8c07-145d056b2c16" providerId="ADAL" clId="{8AEEDA68-4BA0-4257-A814-7A71FF0E29CB}" dt="2025-06-02T13:21:23.036" v="182"/>
-          <ac:picMkLst>
-            <pc:docMk/>
-            <pc:sldMk cId="3792199379" sldId="300"/>
-            <ac:picMk id="4" creationId="{DAD292A1-5B11-7969-7CCF-AD29E537C61A}"/>
-          </ac:picMkLst>
-        </pc:picChg>
         <pc:picChg chg="add mod">
           <ac:chgData name="Пакина Анастасия Алексеевна" userId="47327b2a-1d7f-4669-8c07-145d056b2c16" providerId="ADAL" clId="{8AEEDA68-4BA0-4257-A814-7A71FF0E29CB}" dt="2025-06-02T13:22:09.902" v="208" actId="1076"/>
           <ac:picMkLst>
@@ -514,14 +507,6 @@
           <pc:docMk/>
           <pc:sldMk cId="1080114280" sldId="305"/>
         </pc:sldMkLst>
-        <pc:spChg chg="add del mod">
-          <ac:chgData name="Пакина Анастасия Алексеевна" userId="47327b2a-1d7f-4669-8c07-145d056b2c16" providerId="ADAL" clId="{8AEEDA68-4BA0-4257-A814-7A71FF0E29CB}" dt="2025-06-02T13:25:33.357" v="324" actId="478"/>
-          <ac:spMkLst>
-            <pc:docMk/>
-            <pc:sldMk cId="1080114280" sldId="305"/>
-            <ac:spMk id="4" creationId="{83845024-A2CB-3D51-500B-814E920D7063}"/>
-          </ac:spMkLst>
-        </pc:spChg>
       </pc:sldChg>
       <pc:sldChg chg="modSp new del mod">
         <pc:chgData name="Пакина Анастасия Алексеевна" userId="47327b2a-1d7f-4669-8c07-145d056b2c16" providerId="ADAL" clId="{8AEEDA68-4BA0-4257-A814-7A71FF0E29CB}" dt="2025-06-02T13:26:38.410" v="334" actId="47"/>
@@ -529,14 +514,6 @@
           <pc:docMk/>
           <pc:sldMk cId="1145825346" sldId="305"/>
         </pc:sldMkLst>
-        <pc:spChg chg="mod">
-          <ac:chgData name="Пакина Анастасия Алексеевна" userId="47327b2a-1d7f-4669-8c07-145d056b2c16" providerId="ADAL" clId="{8AEEDA68-4BA0-4257-A814-7A71FF0E29CB}" dt="2025-06-02T13:26:27.728" v="332" actId="255"/>
-          <ac:spMkLst>
-            <pc:docMk/>
-            <pc:sldMk cId="1145825346" sldId="305"/>
-            <ac:spMk id="4" creationId="{4BB7BDFC-5F46-87CC-9697-4B11903C9A13}"/>
-          </ac:spMkLst>
-        </pc:spChg>
       </pc:sldChg>
       <pc:sldChg chg="addSp modSp add mod">
         <pc:chgData name="Пакина Анастасия Алексеевна" userId="47327b2a-1d7f-4669-8c07-145d056b2c16" providerId="ADAL" clId="{8AEEDA68-4BA0-4257-A814-7A71FF0E29CB}" dt="2025-06-02T13:27:27.943" v="372" actId="1076"/>
@@ -562,35 +539,90 @@
         </pc:picChg>
       </pc:sldChg>
       <pc:sldChg chg="addSp delSp modSp add mod">
-        <pc:chgData name="Пакина Анастасия Алексеевна" userId="47327b2a-1d7f-4669-8c07-145d056b2c16" providerId="ADAL" clId="{8AEEDA68-4BA0-4257-A814-7A71FF0E29CB}" dt="2025-06-02T15:24:13.749" v="733" actId="1076"/>
+        <pc:chgData name="Пакина Анастасия Алексеевна" userId="47327b2a-1d7f-4669-8c07-145d056b2c16" providerId="ADAL" clId="{8AEEDA68-4BA0-4257-A814-7A71FF0E29CB}" dt="2025-06-06T13:49:06.652" v="907" actId="1076"/>
         <pc:sldMkLst>
           <pc:docMk/>
           <pc:sldMk cId="949439966" sldId="307"/>
         </pc:sldMkLst>
-        <pc:spChg chg="del mod">
-          <ac:chgData name="Пакина Анастасия Алексеевна" userId="47327b2a-1d7f-4669-8c07-145d056b2c16" providerId="ADAL" clId="{8AEEDA68-4BA0-4257-A814-7A71FF0E29CB}" dt="2025-06-02T15:22:25.890" v="720" actId="478"/>
-          <ac:spMkLst>
+        <pc:picChg chg="add del mod">
+          <ac:chgData name="Пакина Анастасия Алексеевна" userId="47327b2a-1d7f-4669-8c07-145d056b2c16" providerId="ADAL" clId="{8AEEDA68-4BA0-4257-A814-7A71FF0E29CB}" dt="2025-06-06T13:48:46.610" v="895" actId="22"/>
+          <ac:picMkLst>
             <pc:docMk/>
             <pc:sldMk cId="949439966" sldId="307"/>
-            <ac:spMk id="6" creationId="{514E0A17-9437-72EE-5DAA-032CC4664FF6}"/>
-          </ac:spMkLst>
-        </pc:spChg>
-        <pc:picChg chg="add mod">
-          <ac:chgData name="Пакина Анастасия Алексеевна" userId="47327b2a-1d7f-4669-8c07-145d056b2c16" providerId="ADAL" clId="{8AEEDA68-4BA0-4257-A814-7A71FF0E29CB}" dt="2025-06-02T15:23:38.434" v="727" actId="1076"/>
+            <ac:picMk id="6" creationId="{7421352D-8216-1DB9-ED35-7AAD548DFEC0}"/>
+          </ac:picMkLst>
+        </pc:picChg>
+        <pc:picChg chg="add del mod">
+          <ac:chgData name="Пакина Анастасия Алексеевна" userId="47327b2a-1d7f-4669-8c07-145d056b2c16" providerId="ADAL" clId="{8AEEDA68-4BA0-4257-A814-7A71FF0E29CB}" dt="2025-06-06T13:48:50.275" v="898" actId="478"/>
           <ac:picMkLst>
             <pc:docMk/>
             <pc:sldMk cId="949439966" sldId="307"/>
             <ac:picMk id="9" creationId="{45A14A60-0920-FFF0-CEC6-C0C4CBA3146A}"/>
           </ac:picMkLst>
         </pc:picChg>
-        <pc:picChg chg="add mod">
-          <ac:chgData name="Пакина Анастасия Алексеевна" userId="47327b2a-1d7f-4669-8c07-145d056b2c16" providerId="ADAL" clId="{8AEEDA68-4BA0-4257-A814-7A71FF0E29CB}" dt="2025-06-02T15:24:13.749" v="733" actId="1076"/>
+        <pc:picChg chg="add del mod">
+          <ac:chgData name="Пакина Анастасия Алексеевна" userId="47327b2a-1d7f-4669-8c07-145d056b2c16" providerId="ADAL" clId="{8AEEDA68-4BA0-4257-A814-7A71FF0E29CB}" dt="2025-06-06T13:48:51.175" v="899" actId="478"/>
           <ac:picMkLst>
             <pc:docMk/>
             <pc:sldMk cId="949439966" sldId="307"/>
             <ac:picMk id="11" creationId="{4AEBF0F4-911E-9901-C26B-4A9EFFD7855F}"/>
           </ac:picMkLst>
         </pc:picChg>
+        <pc:picChg chg="add mod">
+          <ac:chgData name="Пакина Анастасия Алексеевна" userId="47327b2a-1d7f-4669-8c07-145d056b2c16" providerId="ADAL" clId="{8AEEDA68-4BA0-4257-A814-7A71FF0E29CB}" dt="2025-06-06T13:49:06.652" v="907" actId="1076"/>
+          <ac:picMkLst>
+            <pc:docMk/>
+            <pc:sldMk cId="949439966" sldId="307"/>
+            <ac:picMk id="12" creationId="{B30CC94C-A7E2-1489-D2F0-2434C30B413A}"/>
+          </ac:picMkLst>
+        </pc:picChg>
+      </pc:sldChg>
+      <pc:sldChg chg="addSp modSp new mod">
+        <pc:chgData name="Пакина Анастасия Алексеевна" userId="47327b2a-1d7f-4669-8c07-145d056b2c16" providerId="ADAL" clId="{8AEEDA68-4BA0-4257-A814-7A71FF0E29CB}" dt="2025-06-06T13:34:52.184" v="883" actId="1076"/>
+        <pc:sldMkLst>
+          <pc:docMk/>
+          <pc:sldMk cId="2442339936" sldId="308"/>
+        </pc:sldMkLst>
+        <pc:spChg chg="add mod">
+          <ac:chgData name="Пакина Анастасия Алексеевна" userId="47327b2a-1d7f-4669-8c07-145d056b2c16" providerId="ADAL" clId="{8AEEDA68-4BA0-4257-A814-7A71FF0E29CB}" dt="2025-06-06T13:31:47.877" v="850" actId="20577"/>
+          <ac:spMkLst>
+            <pc:docMk/>
+            <pc:sldMk cId="2442339936" sldId="308"/>
+            <ac:spMk id="4" creationId="{8BCFB370-CFE3-44A4-013D-788C8E43385A}"/>
+          </ac:spMkLst>
+        </pc:spChg>
+        <pc:spChg chg="add mod">
+          <ac:chgData name="Пакина Анастасия Алексеевна" userId="47327b2a-1d7f-4669-8c07-145d056b2c16" providerId="ADAL" clId="{8AEEDA68-4BA0-4257-A814-7A71FF0E29CB}" dt="2025-06-06T13:34:45.151" v="881" actId="20577"/>
+          <ac:spMkLst>
+            <pc:docMk/>
+            <pc:sldMk cId="2442339936" sldId="308"/>
+            <ac:spMk id="8" creationId="{2CD69B42-F1C3-C3C5-0C56-F0B3DDB42611}"/>
+          </ac:spMkLst>
+        </pc:spChg>
+        <pc:spChg chg="add mod">
+          <ac:chgData name="Пакина Анастасия Алексеевна" userId="47327b2a-1d7f-4669-8c07-145d056b2c16" providerId="ADAL" clId="{8AEEDA68-4BA0-4257-A814-7A71FF0E29CB}" dt="2025-06-06T13:34:52.184" v="883" actId="1076"/>
+          <ac:spMkLst>
+            <pc:docMk/>
+            <pc:sldMk cId="2442339936" sldId="308"/>
+            <ac:spMk id="10" creationId="{66C7023D-8E6B-4D5E-F0E2-AC1E838A7651}"/>
+          </ac:spMkLst>
+        </pc:spChg>
+        <pc:graphicFrameChg chg="add mod modGraphic">
+          <ac:chgData name="Пакина Анастасия Алексеевна" userId="47327b2a-1d7f-4669-8c07-145d056b2c16" providerId="ADAL" clId="{8AEEDA68-4BA0-4257-A814-7A71FF0E29CB}" dt="2025-06-06T13:33:19.716" v="857" actId="1076"/>
+          <ac:graphicFrameMkLst>
+            <pc:docMk/>
+            <pc:sldMk cId="2442339936" sldId="308"/>
+            <ac:graphicFrameMk id="5" creationId="{62DFE3F5-B6AF-20E7-C16F-89C1340F990F}"/>
+          </ac:graphicFrameMkLst>
+        </pc:graphicFrameChg>
+        <pc:graphicFrameChg chg="add mod modGraphic">
+          <ac:chgData name="Пакина Анастасия Алексеевна" userId="47327b2a-1d7f-4669-8c07-145d056b2c16" providerId="ADAL" clId="{8AEEDA68-4BA0-4257-A814-7A71FF0E29CB}" dt="2025-06-06T13:34:49.350" v="882" actId="1076"/>
+          <ac:graphicFrameMkLst>
+            <pc:docMk/>
+            <pc:sldMk cId="2442339936" sldId="308"/>
+            <ac:graphicFrameMk id="6" creationId="{30CB62BD-69EE-FA3D-BCB5-AF3A0B768D0E}"/>
+          </ac:graphicFrameMkLst>
+        </pc:graphicFrameChg>
       </pc:sldChg>
     </pc:docChg>
   </pc:docChgLst>
@@ -797,22 +829,6 @@
           <pc:docMk/>
           <pc:sldMk cId="1841657949" sldId="298"/>
         </pc:sldMkLst>
-        <pc:spChg chg="mod">
-          <ac:chgData name="Пакина Анастасия Алексеевна" userId="47327b2a-1d7f-4669-8c07-145d056b2c16" providerId="ADAL" clId="{0CAAF22C-B81E-4082-9FA6-8E7573E9AD2F}" dt="2025-06-02T12:22:25.869" v="96" actId="255"/>
-          <ac:spMkLst>
-            <pc:docMk/>
-            <pc:sldMk cId="1841657949" sldId="298"/>
-            <ac:spMk id="3" creationId="{25D4FBD9-FBA8-BA4D-B848-64E0B0E444AE}"/>
-          </ac:spMkLst>
-        </pc:spChg>
-        <pc:spChg chg="add mod">
-          <ac:chgData name="Пакина Анастасия Алексеевна" userId="47327b2a-1d7f-4669-8c07-145d056b2c16" providerId="ADAL" clId="{0CAAF22C-B81E-4082-9FA6-8E7573E9AD2F}" dt="2025-06-02T12:23:49.706" v="152" actId="122"/>
-          <ac:spMkLst>
-            <pc:docMk/>
-            <pc:sldMk cId="1841657949" sldId="298"/>
-            <ac:spMk id="4" creationId="{C69EA25F-A3EE-A8F4-4C87-DC6F96C4FBBD}"/>
-          </ac:spMkLst>
-        </pc:spChg>
       </pc:sldChg>
     </pc:docChg>
   </pc:docChgLst>
@@ -914,7 +930,7 @@
             <a:fld id="{21F090A8-5917-4B0A-8F20-74BE2C4B4EBB}" type="datetimeFigureOut">
               <a:rPr lang="ru-RU" smtClean="0"/>
               <a:pPr/>
-              <a:t>02.06.2025</a:t>
+              <a:t>06.06.2025</a:t>
             </a:fld>
             <a:endParaRPr lang="ru-RU"/>
           </a:p>
@@ -1093,7 +1109,7 @@
             <a:fld id="{3E72CB27-6399-47BA-8891-BD6EA7A12F65}" type="datetimeFigureOut">
               <a:rPr lang="ru-RU" smtClean="0"/>
               <a:pPr/>
-              <a:t>02.06.2025</a:t>
+              <a:t>06.06.2025</a:t>
             </a:fld>
             <a:endParaRPr lang="ru-RU"/>
           </a:p>
@@ -1586,7 +1602,7 @@
             <a:fld id="{9A3A4A20-C7E8-4691-B2DC-C781A16228C9}" type="datetime1">
               <a:rPr lang="en-US" smtClean="0"/>
               <a:pPr/>
-              <a:t>6/2/2025</a:t>
+              <a:t>6/6/2025</a:t>
             </a:fld>
             <a:endParaRPr lang="en-US"/>
           </a:p>
@@ -2224,7 +2240,7 @@
             <a:fld id="{103EB5D8-1A47-4EB3-B197-F99FD01F3AF6}" type="datetime1">
               <a:rPr lang="en-US" smtClean="0"/>
               <a:pPr/>
-              <a:t>6/2/2025</a:t>
+              <a:t>6/6/2025</a:t>
             </a:fld>
             <a:endParaRPr lang="en-US"/>
           </a:p>
@@ -2441,7 +2457,7 @@
             <a:fld id="{87B3BD81-A805-497E-A274-026DC6853B97}" type="datetime1">
               <a:rPr lang="en-US" smtClean="0"/>
               <a:pPr/>
-              <a:t>6/2/2025</a:t>
+              <a:t>6/6/2025</a:t>
             </a:fld>
             <a:endParaRPr lang="en-US"/>
           </a:p>
@@ -2592,7 +2608,7 @@
             <a:fld id="{EE8E72BB-89E5-43DB-9880-A58B5352575F}" type="datetime1">
               <a:rPr lang="en-US" smtClean="0"/>
               <a:pPr/>
-              <a:t>6/2/2025</a:t>
+              <a:t>6/6/2025</a:t>
             </a:fld>
             <a:endParaRPr lang="en-US"/>
           </a:p>
@@ -3052,7 +3068,7 @@
             <a:fld id="{CFFE8189-C7F9-499F-8841-68B1D7C907EA}" type="datetime1">
               <a:rPr lang="en-US" smtClean="0"/>
               <a:pPr/>
-              <a:t>6/2/2025</a:t>
+              <a:t>6/6/2025</a:t>
             </a:fld>
             <a:endParaRPr lang="en-US"/>
           </a:p>
@@ -3274,7 +3290,7 @@
             <a:fld id="{74AD195F-F8D9-4119-A6F5-03FD95BC2DDC}" type="datetime1">
               <a:rPr lang="en-US" smtClean="0"/>
               <a:pPr/>
-              <a:t>6/2/2025</a:t>
+              <a:t>6/6/2025</a:t>
             </a:fld>
             <a:endParaRPr lang="en-US"/>
           </a:p>
@@ -5607,6 +5623,980 @@
           <p:cNvPr id="2" name="Нижний колонтитул 1">
             <a:extLst>
               <a:ext uri="{FF2B5EF4-FFF2-40B4-BE49-F238E27FC236}">
+                <a16:creationId xmlns:a16="http://schemas.microsoft.com/office/drawing/2014/main" id="{6E7B0F80-0C1D-AAE3-FA0F-CA9D86C4D4BC}"/>
+              </a:ext>
+            </a:extLst>
+          </p:cNvPr>
+          <p:cNvSpPr>
+            <a:spLocks noGrp="1"/>
+          </p:cNvSpPr>
+          <p:nvPr>
+            <p:ph type="ftr" sz="quarter" idx="5"/>
+          </p:nvPr>
+        </p:nvSpPr>
+        <p:spPr/>
+        <p:txBody>
+          <a:bodyPr/>
+          <a:lstStyle/>
+          <a:p>
+            <a:endParaRPr lang="ru-RU"/>
+          </a:p>
+        </p:txBody>
+      </p:sp>
+      <p:sp>
+        <p:nvSpPr>
+          <p:cNvPr id="3" name="Номер слайда 2">
+            <a:extLst>
+              <a:ext uri="{FF2B5EF4-FFF2-40B4-BE49-F238E27FC236}">
+                <a16:creationId xmlns:a16="http://schemas.microsoft.com/office/drawing/2014/main" id="{6415533D-7E6C-01CE-B31C-044645E1B012}"/>
+              </a:ext>
+            </a:extLst>
+          </p:cNvPr>
+          <p:cNvSpPr>
+            <a:spLocks noGrp="1"/>
+          </p:cNvSpPr>
+          <p:nvPr>
+            <p:ph type="sldNum" sz="quarter" idx="7"/>
+          </p:nvPr>
+        </p:nvSpPr>
+        <p:spPr/>
+        <p:txBody>
+          <a:bodyPr/>
+          <a:lstStyle/>
+          <a:p>
+            <a:fld id="{B6F15528-21DE-4FAA-801E-634DDDAF4B2B}" type="slidenum">
+              <a:rPr lang="ru-RU" smtClean="0"/>
+              <a:pPr/>
+              <a:t>14</a:t>
+            </a:fld>
+            <a:endParaRPr lang="ru-RU"/>
+          </a:p>
+        </p:txBody>
+      </p:sp>
+      <p:sp>
+        <p:nvSpPr>
+          <p:cNvPr id="4" name="TextBox 3">
+            <a:extLst>
+              <a:ext uri="{FF2B5EF4-FFF2-40B4-BE49-F238E27FC236}">
+                <a16:creationId xmlns:a16="http://schemas.microsoft.com/office/drawing/2014/main" id="{8BCFB370-CFE3-44A4-013D-788C8E43385A}"/>
+              </a:ext>
+            </a:extLst>
+          </p:cNvPr>
+          <p:cNvSpPr txBox="1"/>
+          <p:nvPr/>
+        </p:nvSpPr>
+        <p:spPr>
+          <a:xfrm>
+            <a:off x="387350" y="428625"/>
+            <a:ext cx="9372600" cy="523220"/>
+          </a:xfrm>
+          <a:prstGeom prst="rect">
+            <a:avLst/>
+          </a:prstGeom>
+          <a:noFill/>
+        </p:spPr>
+        <p:txBody>
+          <a:bodyPr wrap="square" rtlCol="0">
+            <a:spAutoFit/>
+          </a:bodyPr>
+          <a:lstStyle/>
+          <a:p>
+            <a:pPr algn="ctr"/>
+            <a:r>
+              <a:rPr lang="ru-RU" sz="2800" dirty="0">
+                <a:latin typeface="Times New Roman" panose="02020603050405020304" pitchFamily="18" charset="0"/>
+                <a:cs typeface="Times New Roman" panose="02020603050405020304" pitchFamily="18" charset="0"/>
+              </a:rPr>
+              <a:t>Регистры сведений:</a:t>
+            </a:r>
+          </a:p>
+        </p:txBody>
+      </p:sp>
+      <p:graphicFrame>
+        <p:nvGraphicFramePr>
+          <p:cNvPr id="5" name="Таблица 4">
+            <a:extLst>
+              <a:ext uri="{FF2B5EF4-FFF2-40B4-BE49-F238E27FC236}">
+                <a16:creationId xmlns:a16="http://schemas.microsoft.com/office/drawing/2014/main" id="{62DFE3F5-B6AF-20E7-C16F-89C1340F990F}"/>
+              </a:ext>
+            </a:extLst>
+          </p:cNvPr>
+          <p:cNvGraphicFramePr>
+            <a:graphicFrameLocks noGrp="1"/>
+          </p:cNvGraphicFramePr>
+          <p:nvPr>
+            <p:extLst>
+              <p:ext uri="{D42A27DB-BD31-4B8C-83A1-F6EECF244321}">
+                <p14:modId xmlns:p14="http://schemas.microsoft.com/office/powerpoint/2010/main" val="771191955"/>
+              </p:ext>
+            </p:extLst>
+          </p:nvPr>
+        </p:nvGraphicFramePr>
+        <p:xfrm>
+          <a:off x="692150" y="1126225"/>
+          <a:ext cx="6113780" cy="2480819"/>
+        </p:xfrm>
+        <a:graphic>
+          <a:graphicData uri="http://schemas.openxmlformats.org/drawingml/2006/table">
+            <a:tbl>
+              <a:tblPr firstRow="1" firstCol="1" bandRow="1">
+                <a:tableStyleId>{BC89EF96-8CEA-46FF-86C4-4CE0E7609802}</a:tableStyleId>
+              </a:tblPr>
+              <a:tblGrid>
+                <a:gridCol w="1576070">
+                  <a:extLst>
+                    <a:ext uri="{9D8B030D-6E8A-4147-A177-3AD203B41FA5}">
+                      <a16:colId xmlns:a16="http://schemas.microsoft.com/office/drawing/2014/main" val="2989364719"/>
+                    </a:ext>
+                  </a:extLst>
+                </a:gridCol>
+                <a:gridCol w="2651760">
+                  <a:extLst>
+                    <a:ext uri="{9D8B030D-6E8A-4147-A177-3AD203B41FA5}">
+                      <a16:colId xmlns:a16="http://schemas.microsoft.com/office/drawing/2014/main" val="2493320943"/>
+                    </a:ext>
+                  </a:extLst>
+                </a:gridCol>
+                <a:gridCol w="1885950">
+                  <a:extLst>
+                    <a:ext uri="{9D8B030D-6E8A-4147-A177-3AD203B41FA5}">
+                      <a16:colId xmlns:a16="http://schemas.microsoft.com/office/drawing/2014/main" val="3089752536"/>
+                    </a:ext>
+                  </a:extLst>
+                </a:gridCol>
+              </a:tblGrid>
+              <a:tr h="0">
+                <a:tc>
+                  <a:txBody>
+                    <a:bodyPr/>
+                    <a:lstStyle/>
+                    <a:p>
+                      <a:pPr algn="just">
+                        <a:lnSpc>
+                          <a:spcPct val="107000"/>
+                        </a:lnSpc>
+                        <a:spcAft>
+                          <a:spcPts val="800"/>
+                        </a:spcAft>
+                        <a:buNone/>
+                      </a:pPr>
+                      <a:r>
+                        <a:rPr lang="ru-RU" sz="1400" kern="100">
+                          <a:effectLst/>
+                        </a:rPr>
+                        <a:t>Название поля</a:t>
+                      </a:r>
+                      <a:endParaRPr lang="ru-RU" sz="1100" kern="100">
+                        <a:effectLst/>
+                        <a:latin typeface="Calibri" panose="020F0502020204030204" pitchFamily="34" charset="0"/>
+                        <a:ea typeface="Calibri" panose="020F0502020204030204" pitchFamily="34" charset="0"/>
+                        <a:cs typeface="Times New Roman" panose="02020603050405020304" pitchFamily="18" charset="0"/>
+                      </a:endParaRPr>
+                    </a:p>
+                  </a:txBody>
+                  <a:tcPr marL="68580" marR="68580" marT="0" marB="0"/>
+                </a:tc>
+                <a:tc>
+                  <a:txBody>
+                    <a:bodyPr/>
+                    <a:lstStyle/>
+                    <a:p>
+                      <a:pPr algn="just">
+                        <a:lnSpc>
+                          <a:spcPct val="107000"/>
+                        </a:lnSpc>
+                        <a:spcAft>
+                          <a:spcPts val="800"/>
+                        </a:spcAft>
+                        <a:buNone/>
+                      </a:pPr>
+                      <a:r>
+                        <a:rPr lang="ru-RU" sz="1400" kern="100">
+                          <a:effectLst/>
+                        </a:rPr>
+                        <a:t>Тип данных</a:t>
+                      </a:r>
+                      <a:endParaRPr lang="ru-RU" sz="1100" kern="100">
+                        <a:effectLst/>
+                        <a:latin typeface="Calibri" panose="020F0502020204030204" pitchFamily="34" charset="0"/>
+                        <a:ea typeface="Calibri" panose="020F0502020204030204" pitchFamily="34" charset="0"/>
+                        <a:cs typeface="Times New Roman" panose="02020603050405020304" pitchFamily="18" charset="0"/>
+                      </a:endParaRPr>
+                    </a:p>
+                  </a:txBody>
+                  <a:tcPr marL="68580" marR="68580" marT="0" marB="0"/>
+                </a:tc>
+                <a:tc>
+                  <a:txBody>
+                    <a:bodyPr/>
+                    <a:lstStyle/>
+                    <a:p>
+                      <a:pPr algn="just">
+                        <a:lnSpc>
+                          <a:spcPct val="107000"/>
+                        </a:lnSpc>
+                        <a:spcAft>
+                          <a:spcPts val="800"/>
+                        </a:spcAft>
+                        <a:buNone/>
+                      </a:pPr>
+                      <a:r>
+                        <a:rPr lang="ru-RU" sz="1400" kern="100">
+                          <a:effectLst/>
+                        </a:rPr>
+                        <a:t>Примечание</a:t>
+                      </a:r>
+                      <a:endParaRPr lang="ru-RU" sz="1100" kern="100">
+                        <a:effectLst/>
+                        <a:latin typeface="Calibri" panose="020F0502020204030204" pitchFamily="34" charset="0"/>
+                        <a:ea typeface="Calibri" panose="020F0502020204030204" pitchFamily="34" charset="0"/>
+                        <a:cs typeface="Times New Roman" panose="02020603050405020304" pitchFamily="18" charset="0"/>
+                      </a:endParaRPr>
+                    </a:p>
+                  </a:txBody>
+                  <a:tcPr marL="68580" marR="68580" marT="0" marB="0"/>
+                </a:tc>
+                <a:extLst>
+                  <a:ext uri="{0D108BD9-81ED-4DB2-BD59-A6C34878D82A}">
+                    <a16:rowId xmlns:a16="http://schemas.microsoft.com/office/drawing/2014/main" val="2478186351"/>
+                  </a:ext>
+                </a:extLst>
+              </a:tr>
+              <a:tr h="0">
+                <a:tc>
+                  <a:txBody>
+                    <a:bodyPr/>
+                    <a:lstStyle/>
+                    <a:p>
+                      <a:pPr algn="just">
+                        <a:lnSpc>
+                          <a:spcPct val="107000"/>
+                        </a:lnSpc>
+                        <a:spcAft>
+                          <a:spcPts val="800"/>
+                        </a:spcAft>
+                        <a:buNone/>
+                      </a:pPr>
+                      <a:r>
+                        <a:rPr lang="ru-RU" sz="1400" kern="100" dirty="0" err="1">
+                          <a:effectLst/>
+                        </a:rPr>
+                        <a:t>TelegrammID</a:t>
+                      </a:r>
+                      <a:endParaRPr lang="ru-RU" sz="1100" kern="100" dirty="0">
+                        <a:effectLst/>
+                        <a:latin typeface="Calibri" panose="020F0502020204030204" pitchFamily="34" charset="0"/>
+                        <a:ea typeface="Calibri" panose="020F0502020204030204" pitchFamily="34" charset="0"/>
+                        <a:cs typeface="Times New Roman" panose="02020603050405020304" pitchFamily="18" charset="0"/>
+                      </a:endParaRPr>
+                    </a:p>
+                  </a:txBody>
+                  <a:tcPr marL="68580" marR="68580" marT="0" marB="0"/>
+                </a:tc>
+                <a:tc>
+                  <a:txBody>
+                    <a:bodyPr/>
+                    <a:lstStyle/>
+                    <a:p>
+                      <a:pPr algn="just">
+                        <a:lnSpc>
+                          <a:spcPct val="107000"/>
+                        </a:lnSpc>
+                        <a:spcAft>
+                          <a:spcPts val="800"/>
+                        </a:spcAft>
+                        <a:buNone/>
+                        <a:tabLst>
+                          <a:tab pos="619125" algn="l"/>
+                        </a:tabLst>
+                      </a:pPr>
+                      <a:r>
+                        <a:rPr lang="ru-RU" sz="1400" kern="100" dirty="0">
+                          <a:effectLst/>
+                        </a:rPr>
+                        <a:t>Строка</a:t>
+                      </a:r>
+                      <a:endParaRPr lang="ru-RU" sz="1100" kern="100" dirty="0">
+                        <a:effectLst/>
+                        <a:latin typeface="Calibri" panose="020F0502020204030204" pitchFamily="34" charset="0"/>
+                        <a:ea typeface="Calibri" panose="020F0502020204030204" pitchFamily="34" charset="0"/>
+                        <a:cs typeface="Times New Roman" panose="02020603050405020304" pitchFamily="18" charset="0"/>
+                      </a:endParaRPr>
+                    </a:p>
+                  </a:txBody>
+                  <a:tcPr marL="68580" marR="68580" marT="0" marB="0"/>
+                </a:tc>
+                <a:tc>
+                  <a:txBody>
+                    <a:bodyPr/>
+                    <a:lstStyle/>
+                    <a:p>
+                      <a:pPr algn="just">
+                        <a:lnSpc>
+                          <a:spcPct val="107000"/>
+                        </a:lnSpc>
+                        <a:spcAft>
+                          <a:spcPts val="800"/>
+                        </a:spcAft>
+                        <a:buNone/>
+                      </a:pPr>
+                      <a:r>
+                        <a:rPr lang="ru-RU" sz="1400" kern="100" dirty="0">
+                          <a:effectLst/>
+                        </a:rPr>
+                        <a:t>Уникальный </a:t>
+                      </a:r>
+                      <a:r>
+                        <a:rPr lang="ru-RU" sz="1400" kern="100" dirty="0" err="1">
+                          <a:effectLst/>
+                        </a:rPr>
+                        <a:t>Telegram</a:t>
+                      </a:r>
+                      <a:r>
+                        <a:rPr lang="ru-RU" sz="1400" kern="100" dirty="0">
+                          <a:effectLst/>
+                        </a:rPr>
+                        <a:t> ID получателя. Извлекается из дополнительных реквизитов пользователей.</a:t>
+                      </a:r>
+                      <a:endParaRPr lang="ru-RU" sz="1100" kern="100" dirty="0">
+                        <a:effectLst/>
+                        <a:latin typeface="Calibri" panose="020F0502020204030204" pitchFamily="34" charset="0"/>
+                        <a:ea typeface="Calibri" panose="020F0502020204030204" pitchFamily="34" charset="0"/>
+                        <a:cs typeface="Times New Roman" panose="02020603050405020304" pitchFamily="18" charset="0"/>
+                      </a:endParaRPr>
+                    </a:p>
+                  </a:txBody>
+                  <a:tcPr marL="68580" marR="68580" marT="0" marB="0"/>
+                </a:tc>
+                <a:extLst>
+                  <a:ext uri="{0D108BD9-81ED-4DB2-BD59-A6C34878D82A}">
+                    <a16:rowId xmlns:a16="http://schemas.microsoft.com/office/drawing/2014/main" val="3565969105"/>
+                  </a:ext>
+                </a:extLst>
+              </a:tr>
+              <a:tr h="0">
+                <a:tc>
+                  <a:txBody>
+                    <a:bodyPr/>
+                    <a:lstStyle/>
+                    <a:p>
+                      <a:pPr algn="just">
+                        <a:lnSpc>
+                          <a:spcPct val="107000"/>
+                        </a:lnSpc>
+                        <a:spcAft>
+                          <a:spcPts val="800"/>
+                        </a:spcAft>
+                        <a:buNone/>
+                      </a:pPr>
+                      <a:r>
+                        <a:rPr lang="ru-RU" sz="1400" kern="100">
+                          <a:effectLst/>
+                        </a:rPr>
+                        <a:t>Текст</a:t>
+                      </a:r>
+                      <a:endParaRPr lang="ru-RU" sz="1100" kern="100">
+                        <a:effectLst/>
+                        <a:latin typeface="Calibri" panose="020F0502020204030204" pitchFamily="34" charset="0"/>
+                        <a:ea typeface="Calibri" panose="020F0502020204030204" pitchFamily="34" charset="0"/>
+                        <a:cs typeface="Times New Roman" panose="02020603050405020304" pitchFamily="18" charset="0"/>
+                      </a:endParaRPr>
+                    </a:p>
+                  </a:txBody>
+                  <a:tcPr marL="68580" marR="68580" marT="0" marB="0"/>
+                </a:tc>
+                <a:tc>
+                  <a:txBody>
+                    <a:bodyPr/>
+                    <a:lstStyle/>
+                    <a:p>
+                      <a:pPr algn="just">
+                        <a:lnSpc>
+                          <a:spcPct val="107000"/>
+                        </a:lnSpc>
+                        <a:spcAft>
+                          <a:spcPts val="800"/>
+                        </a:spcAft>
+                        <a:buNone/>
+                      </a:pPr>
+                      <a:r>
+                        <a:rPr lang="ru-RU" sz="1400" kern="100">
+                          <a:effectLst/>
+                        </a:rPr>
+                        <a:t>Строка</a:t>
+                      </a:r>
+                      <a:endParaRPr lang="ru-RU" sz="1100" kern="100">
+                        <a:effectLst/>
+                        <a:latin typeface="Calibri" panose="020F0502020204030204" pitchFamily="34" charset="0"/>
+                        <a:ea typeface="Calibri" panose="020F0502020204030204" pitchFamily="34" charset="0"/>
+                        <a:cs typeface="Times New Roman" panose="02020603050405020304" pitchFamily="18" charset="0"/>
+                      </a:endParaRPr>
+                    </a:p>
+                  </a:txBody>
+                  <a:tcPr marL="68580" marR="68580" marT="0" marB="0"/>
+                </a:tc>
+                <a:tc>
+                  <a:txBody>
+                    <a:bodyPr/>
+                    <a:lstStyle/>
+                    <a:p>
+                      <a:pPr algn="just">
+                        <a:lnSpc>
+                          <a:spcPct val="107000"/>
+                        </a:lnSpc>
+                        <a:spcAft>
+                          <a:spcPts val="800"/>
+                        </a:spcAft>
+                        <a:buNone/>
+                      </a:pPr>
+                      <a:r>
+                        <a:rPr lang="ru-RU" sz="1400" kern="100" dirty="0">
+                          <a:effectLst/>
+                        </a:rPr>
+                        <a:t>Содержит текст сообщения, переданного в </a:t>
+                      </a:r>
+                      <a:r>
+                        <a:rPr lang="ru-RU" sz="1400" kern="100" dirty="0" err="1">
+                          <a:effectLst/>
+                        </a:rPr>
+                        <a:t>Telegram</a:t>
+                      </a:r>
+                      <a:r>
+                        <a:rPr lang="ru-RU" sz="1400" kern="100" dirty="0">
+                          <a:effectLst/>
+                        </a:rPr>
+                        <a:t>.</a:t>
+                      </a:r>
+                      <a:endParaRPr lang="ru-RU" sz="1100" kern="100" dirty="0">
+                        <a:effectLst/>
+                        <a:latin typeface="Calibri" panose="020F0502020204030204" pitchFamily="34" charset="0"/>
+                        <a:ea typeface="Calibri" panose="020F0502020204030204" pitchFamily="34" charset="0"/>
+                        <a:cs typeface="Times New Roman" panose="02020603050405020304" pitchFamily="18" charset="0"/>
+                      </a:endParaRPr>
+                    </a:p>
+                  </a:txBody>
+                  <a:tcPr marL="68580" marR="68580" marT="0" marB="0"/>
+                </a:tc>
+                <a:extLst>
+                  <a:ext uri="{0D108BD9-81ED-4DB2-BD59-A6C34878D82A}">
+                    <a16:rowId xmlns:a16="http://schemas.microsoft.com/office/drawing/2014/main" val="2383704424"/>
+                  </a:ext>
+                </a:extLst>
+              </a:tr>
+            </a:tbl>
+          </a:graphicData>
+        </a:graphic>
+      </p:graphicFrame>
+      <p:graphicFrame>
+        <p:nvGraphicFramePr>
+          <p:cNvPr id="6" name="Таблица 5">
+            <a:extLst>
+              <a:ext uri="{FF2B5EF4-FFF2-40B4-BE49-F238E27FC236}">
+                <a16:creationId xmlns:a16="http://schemas.microsoft.com/office/drawing/2014/main" id="{30CB62BD-69EE-FA3D-BCB5-AF3A0B768D0E}"/>
+              </a:ext>
+            </a:extLst>
+          </p:cNvPr>
+          <p:cNvGraphicFramePr>
+            <a:graphicFrameLocks noGrp="1"/>
+          </p:cNvGraphicFramePr>
+          <p:nvPr>
+            <p:extLst>
+              <p:ext uri="{D42A27DB-BD31-4B8C-83A1-F6EECF244321}">
+                <p14:modId xmlns:p14="http://schemas.microsoft.com/office/powerpoint/2010/main" val="855029925"/>
+              </p:ext>
+            </p:extLst>
+          </p:nvPr>
+        </p:nvGraphicFramePr>
+        <p:xfrm>
+          <a:off x="3594227" y="3781424"/>
+          <a:ext cx="6113780" cy="2709101"/>
+        </p:xfrm>
+        <a:graphic>
+          <a:graphicData uri="http://schemas.openxmlformats.org/drawingml/2006/table">
+            <a:tbl>
+              <a:tblPr firstRow="1" firstCol="1" bandRow="1">
+                <a:tableStyleId>{BC89EF96-8CEA-46FF-86C4-4CE0E7609802}</a:tableStyleId>
+              </a:tblPr>
+              <a:tblGrid>
+                <a:gridCol w="1610360">
+                  <a:extLst>
+                    <a:ext uri="{9D8B030D-6E8A-4147-A177-3AD203B41FA5}">
+                      <a16:colId xmlns:a16="http://schemas.microsoft.com/office/drawing/2014/main" val="3774776023"/>
+                    </a:ext>
+                  </a:extLst>
+                </a:gridCol>
+                <a:gridCol w="2707005">
+                  <a:extLst>
+                    <a:ext uri="{9D8B030D-6E8A-4147-A177-3AD203B41FA5}">
+                      <a16:colId xmlns:a16="http://schemas.microsoft.com/office/drawing/2014/main" val="3387183217"/>
+                    </a:ext>
+                  </a:extLst>
+                </a:gridCol>
+                <a:gridCol w="1796415">
+                  <a:extLst>
+                    <a:ext uri="{9D8B030D-6E8A-4147-A177-3AD203B41FA5}">
+                      <a16:colId xmlns:a16="http://schemas.microsoft.com/office/drawing/2014/main" val="528575794"/>
+                    </a:ext>
+                  </a:extLst>
+                </a:gridCol>
+              </a:tblGrid>
+              <a:tr h="0">
+                <a:tc>
+                  <a:txBody>
+                    <a:bodyPr/>
+                    <a:lstStyle/>
+                    <a:p>
+                      <a:pPr algn="just">
+                        <a:lnSpc>
+                          <a:spcPct val="107000"/>
+                        </a:lnSpc>
+                        <a:spcAft>
+                          <a:spcPts val="800"/>
+                        </a:spcAft>
+                        <a:buNone/>
+                      </a:pPr>
+                      <a:r>
+                        <a:rPr lang="ru-RU" sz="1400" kern="100">
+                          <a:effectLst/>
+                        </a:rPr>
+                        <a:t>Название поля</a:t>
+                      </a:r>
+                      <a:endParaRPr lang="ru-RU" sz="1100" kern="100">
+                        <a:effectLst/>
+                        <a:latin typeface="Calibri" panose="020F0502020204030204" pitchFamily="34" charset="0"/>
+                        <a:ea typeface="Calibri" panose="020F0502020204030204" pitchFamily="34" charset="0"/>
+                        <a:cs typeface="Times New Roman" panose="02020603050405020304" pitchFamily="18" charset="0"/>
+                      </a:endParaRPr>
+                    </a:p>
+                  </a:txBody>
+                  <a:tcPr marL="68580" marR="68580" marT="0" marB="0"/>
+                </a:tc>
+                <a:tc>
+                  <a:txBody>
+                    <a:bodyPr/>
+                    <a:lstStyle/>
+                    <a:p>
+                      <a:pPr algn="just">
+                        <a:lnSpc>
+                          <a:spcPct val="107000"/>
+                        </a:lnSpc>
+                        <a:spcAft>
+                          <a:spcPts val="800"/>
+                        </a:spcAft>
+                        <a:buNone/>
+                      </a:pPr>
+                      <a:r>
+                        <a:rPr lang="ru-RU" sz="1400" kern="100">
+                          <a:effectLst/>
+                        </a:rPr>
+                        <a:t>Тип данных</a:t>
+                      </a:r>
+                      <a:endParaRPr lang="ru-RU" sz="1100" kern="100">
+                        <a:effectLst/>
+                        <a:latin typeface="Calibri" panose="020F0502020204030204" pitchFamily="34" charset="0"/>
+                        <a:ea typeface="Calibri" panose="020F0502020204030204" pitchFamily="34" charset="0"/>
+                        <a:cs typeface="Times New Roman" panose="02020603050405020304" pitchFamily="18" charset="0"/>
+                      </a:endParaRPr>
+                    </a:p>
+                  </a:txBody>
+                  <a:tcPr marL="68580" marR="68580" marT="0" marB="0"/>
+                </a:tc>
+                <a:tc>
+                  <a:txBody>
+                    <a:bodyPr/>
+                    <a:lstStyle/>
+                    <a:p>
+                      <a:pPr algn="just">
+                        <a:lnSpc>
+                          <a:spcPct val="107000"/>
+                        </a:lnSpc>
+                        <a:spcAft>
+                          <a:spcPts val="800"/>
+                        </a:spcAft>
+                        <a:buNone/>
+                      </a:pPr>
+                      <a:r>
+                        <a:rPr lang="ru-RU" sz="1400" kern="100">
+                          <a:effectLst/>
+                        </a:rPr>
+                        <a:t>Примечание</a:t>
+                      </a:r>
+                      <a:endParaRPr lang="ru-RU" sz="1100" kern="100">
+                        <a:effectLst/>
+                        <a:latin typeface="Calibri" panose="020F0502020204030204" pitchFamily="34" charset="0"/>
+                        <a:ea typeface="Calibri" panose="020F0502020204030204" pitchFamily="34" charset="0"/>
+                        <a:cs typeface="Times New Roman" panose="02020603050405020304" pitchFamily="18" charset="0"/>
+                      </a:endParaRPr>
+                    </a:p>
+                  </a:txBody>
+                  <a:tcPr marL="68580" marR="68580" marT="0" marB="0"/>
+                </a:tc>
+                <a:extLst>
+                  <a:ext uri="{0D108BD9-81ED-4DB2-BD59-A6C34878D82A}">
+                    <a16:rowId xmlns:a16="http://schemas.microsoft.com/office/drawing/2014/main" val="1437429369"/>
+                  </a:ext>
+                </a:extLst>
+              </a:tr>
+              <a:tr h="0">
+                <a:tc>
+                  <a:txBody>
+                    <a:bodyPr/>
+                    <a:lstStyle/>
+                    <a:p>
+                      <a:pPr algn="just">
+                        <a:lnSpc>
+                          <a:spcPct val="107000"/>
+                        </a:lnSpc>
+                        <a:spcAft>
+                          <a:spcPts val="800"/>
+                        </a:spcAft>
+                        <a:buNone/>
+                      </a:pPr>
+                      <a:r>
+                        <a:rPr lang="ru-RU" sz="1400" kern="100" dirty="0">
+                          <a:effectLst/>
+                        </a:rPr>
+                        <a:t>Пользователь</a:t>
+                      </a:r>
+                      <a:endParaRPr lang="ru-RU" sz="1100" kern="100" dirty="0">
+                        <a:effectLst/>
+                        <a:latin typeface="Calibri" panose="020F0502020204030204" pitchFamily="34" charset="0"/>
+                        <a:ea typeface="Calibri" panose="020F0502020204030204" pitchFamily="34" charset="0"/>
+                        <a:cs typeface="Times New Roman" panose="02020603050405020304" pitchFamily="18" charset="0"/>
+                      </a:endParaRPr>
+                    </a:p>
+                  </a:txBody>
+                  <a:tcPr marL="68580" marR="68580" marT="0" marB="0"/>
+                </a:tc>
+                <a:tc>
+                  <a:txBody>
+                    <a:bodyPr/>
+                    <a:lstStyle/>
+                    <a:p>
+                      <a:pPr algn="just">
+                        <a:lnSpc>
+                          <a:spcPct val="107000"/>
+                        </a:lnSpc>
+                        <a:spcAft>
+                          <a:spcPts val="800"/>
+                        </a:spcAft>
+                        <a:buNone/>
+                        <a:tabLst>
+                          <a:tab pos="619125" algn="l"/>
+                        </a:tabLst>
+                      </a:pPr>
+                      <a:r>
+                        <a:rPr lang="ru-RU" sz="1400" kern="100" dirty="0" err="1">
+                          <a:effectLst/>
+                        </a:rPr>
+                        <a:t>СправочникСсылка.Пользователи</a:t>
+                      </a:r>
+                      <a:endParaRPr lang="ru-RU" sz="1100" kern="100" dirty="0">
+                        <a:effectLst/>
+                        <a:latin typeface="Calibri" panose="020F0502020204030204" pitchFamily="34" charset="0"/>
+                        <a:ea typeface="Calibri" panose="020F0502020204030204" pitchFamily="34" charset="0"/>
+                        <a:cs typeface="Times New Roman" panose="02020603050405020304" pitchFamily="18" charset="0"/>
+                      </a:endParaRPr>
+                    </a:p>
+                  </a:txBody>
+                  <a:tcPr marL="68580" marR="68580" marT="0" marB="0"/>
+                </a:tc>
+                <a:tc>
+                  <a:txBody>
+                    <a:bodyPr/>
+                    <a:lstStyle/>
+                    <a:p>
+                      <a:pPr algn="just">
+                        <a:lnSpc>
+                          <a:spcPct val="107000"/>
+                        </a:lnSpc>
+                        <a:spcAft>
+                          <a:spcPts val="800"/>
+                        </a:spcAft>
+                        <a:buNone/>
+                      </a:pPr>
+                      <a:r>
+                        <a:rPr lang="ru-RU" sz="1400" kern="100" dirty="0">
+                          <a:effectLst/>
+                        </a:rPr>
+                        <a:t>Определяет пользователя, для которого заданы настройки.</a:t>
+                      </a:r>
+                      <a:endParaRPr lang="ru-RU" sz="1100" kern="100" dirty="0">
+                        <a:effectLst/>
+                        <a:latin typeface="Calibri" panose="020F0502020204030204" pitchFamily="34" charset="0"/>
+                        <a:ea typeface="Calibri" panose="020F0502020204030204" pitchFamily="34" charset="0"/>
+                        <a:cs typeface="Times New Roman" panose="02020603050405020304" pitchFamily="18" charset="0"/>
+                      </a:endParaRPr>
+                    </a:p>
+                  </a:txBody>
+                  <a:tcPr marL="68580" marR="68580" marT="0" marB="0"/>
+                </a:tc>
+                <a:extLst>
+                  <a:ext uri="{0D108BD9-81ED-4DB2-BD59-A6C34878D82A}">
+                    <a16:rowId xmlns:a16="http://schemas.microsoft.com/office/drawing/2014/main" val="1582068584"/>
+                  </a:ext>
+                </a:extLst>
+              </a:tr>
+              <a:tr h="0">
+                <a:tc>
+                  <a:txBody>
+                    <a:bodyPr/>
+                    <a:lstStyle/>
+                    <a:p>
+                      <a:pPr algn="just">
+                        <a:lnSpc>
+                          <a:spcPct val="107000"/>
+                        </a:lnSpc>
+                        <a:spcAft>
+                          <a:spcPts val="800"/>
+                        </a:spcAft>
+                        <a:buNone/>
+                      </a:pPr>
+                      <a:r>
+                        <a:rPr lang="ru-RU" sz="1400" kern="100">
+                          <a:effectLst/>
+                        </a:rPr>
+                        <a:t>Документы</a:t>
+                      </a:r>
+                      <a:endParaRPr lang="ru-RU" sz="1100" kern="100">
+                        <a:effectLst/>
+                        <a:latin typeface="Calibri" panose="020F0502020204030204" pitchFamily="34" charset="0"/>
+                        <a:ea typeface="Calibri" panose="020F0502020204030204" pitchFamily="34" charset="0"/>
+                        <a:cs typeface="Times New Roman" panose="02020603050405020304" pitchFamily="18" charset="0"/>
+                      </a:endParaRPr>
+                    </a:p>
+                  </a:txBody>
+                  <a:tcPr marL="68580" marR="68580" marT="0" marB="0"/>
+                </a:tc>
+                <a:tc>
+                  <a:txBody>
+                    <a:bodyPr/>
+                    <a:lstStyle/>
+                    <a:p>
+                      <a:pPr algn="just">
+                        <a:lnSpc>
+                          <a:spcPct val="107000"/>
+                        </a:lnSpc>
+                        <a:spcAft>
+                          <a:spcPts val="800"/>
+                        </a:spcAft>
+                        <a:buNone/>
+                      </a:pPr>
+                      <a:r>
+                        <a:rPr lang="ru-RU" sz="1400" kern="100">
+                          <a:effectLst/>
+                        </a:rPr>
+                        <a:t>ХранилищеЗначения</a:t>
+                      </a:r>
+                      <a:endParaRPr lang="ru-RU" sz="1100" kern="100">
+                        <a:effectLst/>
+                        <a:latin typeface="Calibri" panose="020F0502020204030204" pitchFamily="34" charset="0"/>
+                        <a:ea typeface="Calibri" panose="020F0502020204030204" pitchFamily="34" charset="0"/>
+                        <a:cs typeface="Times New Roman" panose="02020603050405020304" pitchFamily="18" charset="0"/>
+                      </a:endParaRPr>
+                    </a:p>
+                  </a:txBody>
+                  <a:tcPr marL="68580" marR="68580" marT="0" marB="0"/>
+                </a:tc>
+                <a:tc>
+                  <a:txBody>
+                    <a:bodyPr/>
+                    <a:lstStyle/>
+                    <a:p>
+                      <a:pPr algn="just">
+                        <a:lnSpc>
+                          <a:spcPct val="107000"/>
+                        </a:lnSpc>
+                        <a:spcAft>
+                          <a:spcPts val="800"/>
+                        </a:spcAft>
+                        <a:buNone/>
+                      </a:pPr>
+                      <a:r>
+                        <a:rPr lang="ru-RU" sz="1400" kern="100" dirty="0">
+                          <a:effectLst/>
+                        </a:rPr>
+                        <a:t>Список типов документов, сохранённых в хранилище. Служит источником при проверке, где активен чат.</a:t>
+                      </a:r>
+                      <a:endParaRPr lang="ru-RU" sz="1100" kern="100" dirty="0">
+                        <a:effectLst/>
+                        <a:latin typeface="Calibri" panose="020F0502020204030204" pitchFamily="34" charset="0"/>
+                        <a:ea typeface="Calibri" panose="020F0502020204030204" pitchFamily="34" charset="0"/>
+                        <a:cs typeface="Times New Roman" panose="02020603050405020304" pitchFamily="18" charset="0"/>
+                      </a:endParaRPr>
+                    </a:p>
+                  </a:txBody>
+                  <a:tcPr marL="68580" marR="68580" marT="0" marB="0"/>
+                </a:tc>
+                <a:extLst>
+                  <a:ext uri="{0D108BD9-81ED-4DB2-BD59-A6C34878D82A}">
+                    <a16:rowId xmlns:a16="http://schemas.microsoft.com/office/drawing/2014/main" val="317495156"/>
+                  </a:ext>
+                </a:extLst>
+              </a:tr>
+            </a:tbl>
+          </a:graphicData>
+        </a:graphic>
+      </p:graphicFrame>
+      <p:sp>
+        <p:nvSpPr>
+          <p:cNvPr id="8" name="TextBox 7">
+            <a:extLst>
+              <a:ext uri="{FF2B5EF4-FFF2-40B4-BE49-F238E27FC236}">
+                <a16:creationId xmlns:a16="http://schemas.microsoft.com/office/drawing/2014/main" id="{2CD69B42-F1C3-C3C5-0C56-F0B3DDB42611}"/>
+              </a:ext>
+            </a:extLst>
+          </p:cNvPr>
+          <p:cNvSpPr txBox="1"/>
+          <p:nvPr/>
+        </p:nvSpPr>
+        <p:spPr>
+          <a:xfrm>
+            <a:off x="6874818" y="1125124"/>
+            <a:ext cx="2686878" cy="646331"/>
+          </a:xfrm>
+          <a:prstGeom prst="rect">
+            <a:avLst/>
+          </a:prstGeom>
+          <a:noFill/>
+        </p:spPr>
+        <p:txBody>
+          <a:bodyPr wrap="square">
+            <a:spAutoFit/>
+          </a:bodyPr>
+          <a:lstStyle/>
+          <a:p>
+            <a:pPr algn="ctr"/>
+            <a:r>
+              <a:rPr lang="ru-RU" sz="1800" dirty="0">
+                <a:effectLst/>
+                <a:latin typeface="Times New Roman" panose="02020603050405020304" pitchFamily="18" charset="0"/>
+                <a:ea typeface="Calibri" panose="020F0502020204030204" pitchFamily="34" charset="0"/>
+              </a:rPr>
+              <a:t>Поля регистра сведений</a:t>
+            </a:r>
+          </a:p>
+          <a:p>
+            <a:pPr algn="ctr"/>
+            <a:r>
+              <a:rPr lang="ru-RU" sz="1800" dirty="0">
+                <a:effectLst/>
+                <a:latin typeface="Times New Roman" panose="02020603050405020304" pitchFamily="18" charset="0"/>
+                <a:ea typeface="Calibri" panose="020F0502020204030204" pitchFamily="34" charset="0"/>
+              </a:rPr>
+              <a:t> «Документы»</a:t>
+            </a:r>
+            <a:endParaRPr lang="ru-RU" dirty="0"/>
+          </a:p>
+        </p:txBody>
+      </p:sp>
+      <p:sp>
+        <p:nvSpPr>
+          <p:cNvPr id="10" name="TextBox 9">
+            <a:extLst>
+              <a:ext uri="{FF2B5EF4-FFF2-40B4-BE49-F238E27FC236}">
+                <a16:creationId xmlns:a16="http://schemas.microsoft.com/office/drawing/2014/main" id="{66C7023D-8E6B-4D5E-F0E2-AC1E838A7651}"/>
+              </a:ext>
+            </a:extLst>
+          </p:cNvPr>
+          <p:cNvSpPr txBox="1"/>
+          <p:nvPr/>
+        </p:nvSpPr>
+        <p:spPr>
+          <a:xfrm>
+            <a:off x="139369" y="3966989"/>
+            <a:ext cx="3438017" cy="670440"/>
+          </a:xfrm>
+          <a:prstGeom prst="rect">
+            <a:avLst/>
+          </a:prstGeom>
+          <a:noFill/>
+        </p:spPr>
+        <p:txBody>
+          <a:bodyPr wrap="square">
+            <a:spAutoFit/>
+          </a:bodyPr>
+          <a:lstStyle/>
+          <a:p>
+            <a:pPr indent="450215">
+              <a:lnSpc>
+                <a:spcPct val="107000"/>
+              </a:lnSpc>
+              <a:spcAft>
+                <a:spcPts val="800"/>
+              </a:spcAft>
+            </a:pPr>
+            <a:r>
+              <a:rPr lang="ru-RU" sz="1800" kern="100" dirty="0">
+                <a:effectLst/>
+                <a:latin typeface="Times New Roman" panose="02020603050405020304" pitchFamily="18" charset="0"/>
+                <a:ea typeface="Calibri" panose="020F0502020204030204" pitchFamily="34" charset="0"/>
+                <a:cs typeface="Times New Roman" panose="02020603050405020304" pitchFamily="18" charset="0"/>
+              </a:rPr>
+              <a:t>Поля регистра сведений «</a:t>
+            </a:r>
+            <a:r>
+              <a:rPr lang="ru-RU" sz="1800" kern="100" dirty="0" err="1">
+                <a:effectLst/>
+                <a:latin typeface="Times New Roman" panose="02020603050405020304" pitchFamily="18" charset="0"/>
+                <a:ea typeface="Calibri" panose="020F0502020204030204" pitchFamily="34" charset="0"/>
+                <a:cs typeface="Times New Roman" panose="02020603050405020304" pitchFamily="18" charset="0"/>
+              </a:rPr>
+              <a:t>TG_ОтправленныеСообщения</a:t>
+            </a:r>
+            <a:r>
+              <a:rPr lang="ru-RU" sz="1800" kern="100" dirty="0">
+                <a:effectLst/>
+                <a:latin typeface="Times New Roman" panose="02020603050405020304" pitchFamily="18" charset="0"/>
+                <a:ea typeface="Calibri" panose="020F0502020204030204" pitchFamily="34" charset="0"/>
+                <a:cs typeface="Times New Roman" panose="02020603050405020304" pitchFamily="18" charset="0"/>
+              </a:rPr>
+              <a:t>»</a:t>
+            </a:r>
+            <a:endParaRPr lang="ru-RU" sz="1400" kern="100" dirty="0">
+              <a:effectLst/>
+              <a:latin typeface="Calibri" panose="020F0502020204030204" pitchFamily="34" charset="0"/>
+              <a:ea typeface="Calibri" panose="020F0502020204030204" pitchFamily="34" charset="0"/>
+              <a:cs typeface="Times New Roman" panose="02020603050405020304" pitchFamily="18" charset="0"/>
+            </a:endParaRPr>
+          </a:p>
+        </p:txBody>
+      </p:sp>
+    </p:spTree>
+    <p:extLst>
+      <p:ext uri="{BB962C8B-B14F-4D97-AF65-F5344CB8AC3E}">
+        <p14:creationId xmlns:p14="http://schemas.microsoft.com/office/powerpoint/2010/main" val="2442339936"/>
+      </p:ext>
+    </p:extLst>
+  </p:cSld>
+  <p:clrMapOvr>
+    <a:masterClrMapping/>
+  </p:clrMapOvr>
+</p:sld>
+</file>
+
+<file path=ppt/slides/slide15.xml><?xml version="1.0" encoding="utf-8"?>
+<p:sld xmlns:a="http://schemas.openxmlformats.org/drawingml/2006/main" xmlns:r="http://schemas.openxmlformats.org/officeDocument/2006/relationships" xmlns:p="http://schemas.openxmlformats.org/presentationml/2006/main">
+  <p:cSld>
+    <p:spTree>
+      <p:nvGrpSpPr>
+        <p:cNvPr id="1" name=""/>
+        <p:cNvGrpSpPr/>
+        <p:nvPr/>
+      </p:nvGrpSpPr>
+      <p:grpSpPr>
+        <a:xfrm>
+          <a:off x="0" y="0"/>
+          <a:ext cx="0" cy="0"/>
+          <a:chOff x="0" y="0"/>
+          <a:chExt cx="0" cy="0"/>
+        </a:xfrm>
+      </p:grpSpPr>
+      <p:sp>
+        <p:nvSpPr>
+          <p:cNvPr id="2" name="Нижний колонтитул 1">
+            <a:extLst>
+              <a:ext uri="{FF2B5EF4-FFF2-40B4-BE49-F238E27FC236}">
                 <a16:creationId xmlns:a16="http://schemas.microsoft.com/office/drawing/2014/main" id="{3AE4DCE8-5854-3061-7D48-6AD11824D4A1}"/>
               </a:ext>
             </a:extLst>
@@ -5659,7 +6649,7 @@
                 <a:cs typeface="Times New Roman" panose="02020603050405020304" pitchFamily="18" charset="0"/>
               </a:rPr>
               <a:pPr/>
-              <a:t>14</a:t>
+              <a:t>15</a:t>
             </a:fld>
             <a:endParaRPr lang="ru-RU" sz="2400" dirty="0">
               <a:latin typeface="Times New Roman" panose="02020603050405020304" pitchFamily="18" charset="0"/>
@@ -6601,7 +7591,7 @@
 </p:sld>
 </file>
 
-<file path=ppt/slides/slide15.xml><?xml version="1.0" encoding="utf-8"?>
+<file path=ppt/slides/slide16.xml><?xml version="1.0" encoding="utf-8"?>
 <p:sld xmlns:a="http://schemas.openxmlformats.org/drawingml/2006/main" xmlns:r="http://schemas.openxmlformats.org/officeDocument/2006/relationships" xmlns:p="http://schemas.openxmlformats.org/presentationml/2006/main">
   <p:cSld>
     <p:spTree>
@@ -6985,7 +7975,7 @@
                 <a:cs typeface="Times New Roman" panose="02020603050405020304" pitchFamily="18" charset="0"/>
               </a:rPr>
               <a:pPr/>
-              <a:t>15</a:t>
+              <a:t>16</a:t>
             </a:fld>
             <a:endParaRPr lang="ru-RU" sz="2400" dirty="0">
               <a:latin typeface="Times New Roman" panose="02020603050405020304" pitchFamily="18" charset="0"/>
@@ -7258,7 +8248,7 @@
 </p:sld>
 </file>
 
-<file path=ppt/slides/slide16.xml><?xml version="1.0" encoding="utf-8"?>
+<file path=ppt/slides/slide17.xml><?xml version="1.0" encoding="utf-8"?>
 <p:sld xmlns:a="http://schemas.openxmlformats.org/drawingml/2006/main" xmlns:r="http://schemas.openxmlformats.org/officeDocument/2006/relationships" xmlns:p="http://schemas.openxmlformats.org/presentationml/2006/main">
   <p:cSld>
     <p:spTree>
@@ -7338,7 +8328,7 @@
                 <a:cs typeface="Times New Roman" panose="02020603050405020304" pitchFamily="18" charset="0"/>
               </a:rPr>
               <a:pPr/>
-              <a:t>16</a:t>
+              <a:t>17</a:t>
             </a:fld>
             <a:endParaRPr lang="ru-RU" sz="2400" dirty="0">
               <a:latin typeface="Times New Roman" panose="02020603050405020304" pitchFamily="18" charset="0"/>
@@ -8081,10 +9071,10 @@
       </p:sp>
       <p:pic>
         <p:nvPicPr>
-          <p:cNvPr id="9" name="Рисунок 8">
+          <p:cNvPr id="12" name="Рисунок 11">
             <a:extLst>
               <a:ext uri="{FF2B5EF4-FFF2-40B4-BE49-F238E27FC236}">
-                <a16:creationId xmlns:a16="http://schemas.microsoft.com/office/drawing/2014/main" id="{45A14A60-0920-FFF0-CEC6-C0C4CBA3146A}"/>
+                <a16:creationId xmlns:a16="http://schemas.microsoft.com/office/drawing/2014/main" id="{B30CC94C-A7E2-1489-D2F0-2434C30B413A}"/>
               </a:ext>
             </a:extLst>
           </p:cNvPr>
@@ -8101,38 +9091,8 @@
         </p:blipFill>
         <p:spPr>
           <a:xfrm>
-            <a:off x="660127" y="1026196"/>
-            <a:ext cx="4367786" cy="5437112"/>
-          </a:xfrm>
-          <a:prstGeom prst="rect">
-            <a:avLst/>
-          </a:prstGeom>
-        </p:spPr>
-      </p:pic>
-      <p:pic>
-        <p:nvPicPr>
-          <p:cNvPr id="11" name="Рисунок 10">
-            <a:extLst>
-              <a:ext uri="{FF2B5EF4-FFF2-40B4-BE49-F238E27FC236}">
-                <a16:creationId xmlns:a16="http://schemas.microsoft.com/office/drawing/2014/main" id="{4AEBF0F4-911E-9901-C26B-4A9EFFD7855F}"/>
-              </a:ext>
-            </a:extLst>
-          </p:cNvPr>
-          <p:cNvPicPr>
-            <a:picLocks noChangeAspect="1"/>
-          </p:cNvPicPr>
-          <p:nvPr/>
-        </p:nvPicPr>
-        <p:blipFill>
-          <a:blip r:embed="rId3"/>
-          <a:stretch>
-            <a:fillRect/>
-          </a:stretch>
-        </p:blipFill>
-        <p:spPr>
-          <a:xfrm>
-            <a:off x="5012083" y="1026196"/>
-            <a:ext cx="4791891" cy="5903820"/>
+            <a:off x="1013725" y="914257"/>
+            <a:ext cx="8257793" cy="5549051"/>
           </a:xfrm>
           <a:prstGeom prst="rect">
             <a:avLst/>
@@ -8412,7 +9372,7 @@
         <p:spPr>
           <a:xfrm>
             <a:off x="616825" y="1346363"/>
-            <a:ext cx="9338626" cy="3693319"/>
+            <a:ext cx="9338626" cy="3970318"/>
           </a:xfrm>
           <a:prstGeom prst="rect">
             <a:avLst/>
@@ -8460,7 +9420,7 @@
             </a:r>
             <a:r>
               <a:rPr lang="ru-RU" dirty="0"/>
-              <a:t>) или электронной почты, что приводит к потере времени и снижению производительности.</a:t>
+              <a:t>), электронной почты или 1С:Диалог, что приводит к потере времени и снижению производительности.</a:t>
             </a:r>
           </a:p>
           <a:p>
@@ -9560,7 +10520,7 @@
           <p:nvPr>
             <p:extLst>
               <p:ext uri="{D42A27DB-BD31-4B8C-83A1-F6EECF244321}">
-                <p14:modId xmlns:p14="http://schemas.microsoft.com/office/powerpoint/2010/main" val="1374122296"/>
+                <p14:modId xmlns:p14="http://schemas.microsoft.com/office/powerpoint/2010/main" val="1089463864"/>
               </p:ext>
             </p:extLst>
           </p:nvPr>
@@ -9612,7 +10572,7 @@
                   </a:extLst>
                 </a:gridCol>
               </a:tblGrid>
-              <a:tr h="455882">
+              <a:tr h="443263">
                 <a:tc>
                   <a:txBody>
                     <a:bodyPr/>
@@ -11739,15 +12699,6 @@
 </file>
 
 <file path=customXml/item1.xml><?xml version="1.0" encoding="utf-8"?>
-<?mso-contentType ?>
-<FormTemplates xmlns="http://schemas.microsoft.com/sharepoint/v3/contenttype/forms">
-  <Display>DocumentLibraryForm</Display>
-  <Edit>DocumentLibraryForm</Edit>
-  <New>DocumentLibraryForm</New>
-</FormTemplates>
-</file>
-
-<file path=customXml/item2.xml><?xml version="1.0" encoding="utf-8"?>
 <ct:contentTypeSchema xmlns:ct="http://schemas.microsoft.com/office/2006/metadata/contentType" xmlns:ma="http://schemas.microsoft.com/office/2006/metadata/properties/metaAttributes" ct:_="" ma:_="" ma:contentTypeName="Document" ma:contentTypeID="0x01010015B809CF642400459776C7862293153F" ma:contentTypeVersion="4" ma:contentTypeDescription="Create a new document." ma:contentTypeScope="" ma:versionID="fc26294db3f7aed8276d92eb6cb49561">
   <xsd:schema xmlns:xsd="http://www.w3.org/2001/XMLSchema" xmlns:xs="http://www.w3.org/2001/XMLSchema" xmlns:p="http://schemas.microsoft.com/office/2006/metadata/properties" xmlns:ns2="acd3123f-3cd0-4288-b5e9-bdc4a521df8e" targetNamespace="http://schemas.microsoft.com/office/2006/metadata/properties" ma:root="true" ma:fieldsID="3e7fbed3f3a4cc935f2e2a8001781856" ns2:_="">
     <xsd:import namespace="acd3123f-3cd0-4288-b5e9-bdc4a521df8e"/>
@@ -11891,6 +12842,15 @@
 </ct:contentTypeSchema>
 </file>
 
+<file path=customXml/item2.xml><?xml version="1.0" encoding="utf-8"?>
+<?mso-contentType ?>
+<FormTemplates xmlns="http://schemas.microsoft.com/sharepoint/v3/contenttype/forms">
+  <Display>DocumentLibraryForm</Display>
+  <Edit>DocumentLibraryForm</Edit>
+  <New>DocumentLibraryForm</New>
+</FormTemplates>
+</file>
+
 <file path=customXml/item3.xml><?xml version="1.0" encoding="utf-8"?>
 <p:properties xmlns:p="http://schemas.microsoft.com/office/2006/metadata/properties" xmlns:xsi="http://www.w3.org/2001/XMLSchema-instance" xmlns:pc="http://schemas.microsoft.com/office/infopath/2007/PartnerControls">
   <documentManagement/>
@@ -11898,14 +12858,6 @@
 </file>
 
 <file path=customXml/itemProps1.xml><?xml version="1.0" encoding="utf-8"?>
-<ds:datastoreItem xmlns:ds="http://schemas.openxmlformats.org/officeDocument/2006/customXml" ds:itemID="{8B9023BB-5157-4152-BC9D-0BAA1F4FFE4D}">
-  <ds:schemaRefs>
-    <ds:schemaRef ds:uri="http://schemas.microsoft.com/sharepoint/v3/contenttype/forms"/>
-  </ds:schemaRefs>
-</ds:datastoreItem>
-</file>
-
-<file path=customXml/itemProps2.xml><?xml version="1.0" encoding="utf-8"?>
 <ds:datastoreItem xmlns:ds="http://schemas.openxmlformats.org/officeDocument/2006/customXml" ds:itemID="{0536FDA8-6DF1-44B5-AB9E-33ABD1B3A67E}">
   <ds:schemaRefs>
     <ds:schemaRef ds:uri="http://schemas.microsoft.com/office/2006/metadata/contentType"/>
@@ -11919,6 +12871,14 @@
     <ds:schemaRef ds:uri="http://purl.org/dc/elements/1.1/"/>
     <ds:schemaRef ds:uri="http://purl.org/dc/terms/"/>
     <ds:schemaRef ds:uri="http://schemas.microsoft.com/internal/obd"/>
+  </ds:schemaRefs>
+</ds:datastoreItem>
+</file>
+
+<file path=customXml/itemProps2.xml><?xml version="1.0" encoding="utf-8"?>
+<ds:datastoreItem xmlns:ds="http://schemas.openxmlformats.org/officeDocument/2006/customXml" ds:itemID="{8B9023BB-5157-4152-BC9D-0BAA1F4FFE4D}">
+  <ds:schemaRefs>
+    <ds:schemaRef ds:uri="http://schemas.microsoft.com/sharepoint/v3/contenttype/forms"/>
   </ds:schemaRefs>
 </ds:datastoreItem>
 </file>
